--- a/스토리보드/6학년/3차/suhi_0601_04_0001_v2.pptx
+++ b/스토리보드/6학년/3차/suhi_0601_04_0001_v2.pptx
@@ -2,8 +2,8 @@
 <file path=ppt/presentation.xml><?xml version="1.0" encoding="utf-8"?>
 <p:presentation xmlns:r="http://schemas.openxmlformats.org/officeDocument/2006/relationships" xmlns:c="http://schemas.openxmlformats.org/drawingml/2006/chart" xmlns:a="http://schemas.openxmlformats.org/drawingml/2006/main" xmlns:dgm="http://schemas.openxmlformats.org/drawingml/2006/diagram" xmlns:dsp="http://schemas.microsoft.com/office/drawing/2008/diagram" xmlns:p="http://schemas.openxmlformats.org/presentationml/2006/main" saveSubsetFonts="1">
   <p:sldMasterIdLst>
-    <p:sldMasterId id="2147483676" r:id="rId1"/>
-    <p:sldMasterId id="2147483677" r:id="rId2"/>
+    <p:sldMasterId id="2147483668" r:id="rId1"/>
+    <p:sldMasterId id="2147483669" r:id="rId2"/>
   </p:sldMasterIdLst>
   <p:notesMasterIdLst>
     <p:notesMasterId r:id="rId3"/>
